--- a/figs/pointOccuranceFreq.pptx
+++ b/figs/pointOccuranceFreq.pptx
@@ -533,16 +533,16 @@
                   <c:v>6.600249066</c:v>
                 </c:pt>
                 <c:pt idx="10">
-                  <c:v>5.91531755915</c:v>
+                  <c:v>5.915317559149999</c:v>
                 </c:pt>
                 <c:pt idx="11">
                   <c:v>5.47945205479</c:v>
                 </c:pt>
                 <c:pt idx="12">
-                  <c:v>3.98505603985</c:v>
+                  <c:v>3.985056039849999</c:v>
                 </c:pt>
                 <c:pt idx="13">
-                  <c:v>3.05105853051</c:v>
+                  <c:v>3.051058530509999</c:v>
                 </c:pt>
                 <c:pt idx="14">
                   <c:v>2.67745952677</c:v>
@@ -1274,13 +1274,13 @@
                   <c:v>100.0</c:v>
                 </c:pt>
                 <c:pt idx="1">
-                  <c:v>77.1551724138</c:v>
+                  <c:v>77.15517241379997</c:v>
                 </c:pt>
                 <c:pt idx="2">
-                  <c:v>77.1551724138</c:v>
+                  <c:v>77.15517241379997</c:v>
                 </c:pt>
                 <c:pt idx="3">
-                  <c:v>77.1551724138</c:v>
+                  <c:v>77.15517241379997</c:v>
                 </c:pt>
                 <c:pt idx="4">
                   <c:v>25.7053291536</c:v>
@@ -1301,10 +1301,10 @@
                   <c:v>9.67868338558</c:v>
                 </c:pt>
                 <c:pt idx="10">
-                  <c:v>9.44357366771</c:v>
+                  <c:v>9.443573667709998</c:v>
                 </c:pt>
                 <c:pt idx="11">
-                  <c:v>9.44357366771</c:v>
+                  <c:v>9.443573667709998</c:v>
                 </c:pt>
                 <c:pt idx="12">
                   <c:v>5.91692789969</c:v>
@@ -1682,11 +1682,11 @@
           <c:showPercent val="0"/>
           <c:showBubbleSize val="0"/>
         </c:dLbls>
-        <c:axId val="2095863176"/>
-        <c:axId val="-2124692824"/>
+        <c:axId val="-2103237224"/>
+        <c:axId val="-2103231432"/>
       </c:scatterChart>
       <c:valAx>
-        <c:axId val="2095863176"/>
+        <c:axId val="-2103237224"/>
         <c:scaling>
           <c:orientation val="minMax"/>
           <c:max val="100.0"/>
@@ -1700,21 +1700,21 @@
               <a:lstStyle/>
               <a:p>
                 <a:pPr>
-                  <a:defRPr sz="1100">
-                    <a:latin typeface="Verdana"/>
-                    <a:cs typeface="Verdana"/>
+                  <a:defRPr sz="1100" b="0">
+                    <a:latin typeface="Times New Roman"/>
+                    <a:cs typeface="Times New Roman"/>
                   </a:defRPr>
                 </a:pPr>
                 <a:r>
-                  <a:rPr lang="en-US" sz="1100" dirty="0" smtClean="0">
-                    <a:latin typeface="Verdana"/>
-                    <a:cs typeface="Verdana"/>
+                  <a:rPr lang="en-US" sz="1100" b="0" dirty="0" smtClean="0">
+                    <a:latin typeface="Times New Roman"/>
+                    <a:cs typeface="Times New Roman"/>
                   </a:rPr>
-                  <a:t>Ranked Labels</a:t>
+                  <a:t>Tags (ordered by Frequency)</a:t>
                 </a:r>
-                <a:endParaRPr lang="en-US" sz="1100" dirty="0">
-                  <a:latin typeface="Verdana"/>
-                  <a:cs typeface="Verdana"/>
+                <a:endParaRPr lang="en-US" sz="1100" b="0" dirty="0">
+                  <a:latin typeface="Times New Roman"/>
+                  <a:cs typeface="Times New Roman"/>
                 </a:endParaRPr>
               </a:p>
             </c:rich>
@@ -1723,8 +1723,8 @@
             <c:manualLayout>
               <c:xMode val="edge"/>
               <c:yMode val="edge"/>
-              <c:x val="0.346780675853018"/>
-              <c:y val="0.89907443861184"/>
+              <c:x val="0.312058453630796"/>
+              <c:y val="0.889815179352581"/>
             </c:manualLayout>
           </c:layout>
           <c:overlay val="0"/>
@@ -1733,12 +1733,12 @@
         <c:majorTickMark val="out"/>
         <c:minorTickMark val="none"/>
         <c:tickLblPos val="nextTo"/>
-        <c:crossAx val="-2124692824"/>
+        <c:crossAx val="-2103231432"/>
         <c:crosses val="autoZero"/>
         <c:crossBetween val="midCat"/>
       </c:valAx>
       <c:valAx>
-        <c:axId val="-2124692824"/>
+        <c:axId val="-2103231432"/>
         <c:scaling>
           <c:orientation val="minMax"/>
           <c:max val="100.0"/>
@@ -1764,28 +1764,28 @@
               <a:lstStyle/>
               <a:p>
                 <a:pPr>
-                  <a:defRPr sz="1100">
-                    <a:latin typeface="Verdana"/>
-                    <a:cs typeface="Verdana"/>
+                  <a:defRPr sz="1100" b="0">
+                    <a:latin typeface="Times New Roman"/>
+                    <a:cs typeface="Times New Roman"/>
                   </a:defRPr>
                 </a:pPr>
                 <a:r>
-                  <a:rPr lang="en-US" sz="1100" dirty="0">
-                    <a:latin typeface="Verdana"/>
-                    <a:cs typeface="Verdana"/>
-                  </a:rPr>
-                  <a:t>% </a:t>
-                </a:r>
-                <a:r>
-                  <a:rPr lang="en-US" sz="1100" dirty="0" err="1" smtClean="0">
-                    <a:latin typeface="Verdana"/>
-                    <a:cs typeface="Verdana"/>
+                  <a:rPr lang="en-US" sz="1100" b="0" dirty="0" err="1" smtClean="0">
+                    <a:latin typeface="Times New Roman"/>
+                    <a:cs typeface="Times New Roman"/>
                   </a:rPr>
                   <a:t>Occurence</a:t>
                 </a:r>
-                <a:endParaRPr lang="en-US" sz="1100" dirty="0">
-                  <a:latin typeface="Verdana"/>
-                  <a:cs typeface="Verdana"/>
+                <a:r>
+                  <a:rPr lang="en-US" sz="1100" b="0" baseline="0" dirty="0" smtClean="0">
+                    <a:latin typeface="Times New Roman"/>
+                    <a:cs typeface="Times New Roman"/>
+                  </a:rPr>
+                  <a:t> Frequency (%)</a:t>
+                </a:r>
+                <a:endParaRPr lang="en-US" sz="1100" b="0" dirty="0">
+                  <a:latin typeface="Times New Roman"/>
+                  <a:cs typeface="Times New Roman"/>
                 </a:endParaRPr>
               </a:p>
             </c:rich>
@@ -1794,8 +1794,8 @@
             <c:manualLayout>
               <c:xMode val="edge"/>
               <c:yMode val="edge"/>
-              <c:x val="0.0138888888888889"/>
-              <c:y val="0.237962598425197"/>
+              <c:x val="0.0173611111111111"/>
+              <c:y val="0.219444079906678"/>
             </c:manualLayout>
           </c:layout>
           <c:overlay val="0"/>
@@ -1814,7 +1814,7 @@
             <a:endParaRPr lang="en-US"/>
           </a:p>
         </c:txPr>
-        <c:crossAx val="2095863176"/>
+        <c:crossAx val="-2103237224"/>
         <c:crosses val="autoZero"/>
         <c:crossBetween val="midCat"/>
         <c:majorUnit val="20.0"/>
@@ -2038,7 +2038,7 @@
           <a:p>
             <a:fld id="{6ADFC982-3F97-604E-B78A-EC2F7D93C284}" type="datetimeFigureOut">
               <a:rPr lang="en-US" smtClean="0"/>
-              <a:t>4/2/14</a:t>
+              <a:t>4/4/14</a:t>
             </a:fld>
             <a:endParaRPr lang="en-US"/>
           </a:p>
@@ -2208,7 +2208,7 @@
           <a:p>
             <a:fld id="{6ADFC982-3F97-604E-B78A-EC2F7D93C284}" type="datetimeFigureOut">
               <a:rPr lang="en-US" smtClean="0"/>
-              <a:t>4/2/14</a:t>
+              <a:t>4/4/14</a:t>
             </a:fld>
             <a:endParaRPr lang="en-US"/>
           </a:p>
@@ -2388,7 +2388,7 @@
           <a:p>
             <a:fld id="{6ADFC982-3F97-604E-B78A-EC2F7D93C284}" type="datetimeFigureOut">
               <a:rPr lang="en-US" smtClean="0"/>
-              <a:t>4/2/14</a:t>
+              <a:t>4/4/14</a:t>
             </a:fld>
             <a:endParaRPr lang="en-US"/>
           </a:p>
@@ -2558,7 +2558,7 @@
           <a:p>
             <a:fld id="{6ADFC982-3F97-604E-B78A-EC2F7D93C284}" type="datetimeFigureOut">
               <a:rPr lang="en-US" smtClean="0"/>
-              <a:t>4/2/14</a:t>
+              <a:t>4/4/14</a:t>
             </a:fld>
             <a:endParaRPr lang="en-US"/>
           </a:p>
@@ -2804,7 +2804,7 @@
           <a:p>
             <a:fld id="{6ADFC982-3F97-604E-B78A-EC2F7D93C284}" type="datetimeFigureOut">
               <a:rPr lang="en-US" smtClean="0"/>
-              <a:t>4/2/14</a:t>
+              <a:t>4/4/14</a:t>
             </a:fld>
             <a:endParaRPr lang="en-US"/>
           </a:p>
@@ -3092,7 +3092,7 @@
           <a:p>
             <a:fld id="{6ADFC982-3F97-604E-B78A-EC2F7D93C284}" type="datetimeFigureOut">
               <a:rPr lang="en-US" smtClean="0"/>
-              <a:t>4/2/14</a:t>
+              <a:t>4/4/14</a:t>
             </a:fld>
             <a:endParaRPr lang="en-US"/>
           </a:p>
@@ -3519,7 +3519,7 @@
           <a:p>
             <a:fld id="{6ADFC982-3F97-604E-B78A-EC2F7D93C284}" type="datetimeFigureOut">
               <a:rPr lang="en-US" smtClean="0"/>
-              <a:t>4/2/14</a:t>
+              <a:t>4/4/14</a:t>
             </a:fld>
             <a:endParaRPr lang="en-US"/>
           </a:p>
@@ -3637,7 +3637,7 @@
           <a:p>
             <a:fld id="{6ADFC982-3F97-604E-B78A-EC2F7D93C284}" type="datetimeFigureOut">
               <a:rPr lang="en-US" smtClean="0"/>
-              <a:t>4/2/14</a:t>
+              <a:t>4/4/14</a:t>
             </a:fld>
             <a:endParaRPr lang="en-US"/>
           </a:p>
@@ -3732,7 +3732,7 @@
           <a:p>
             <a:fld id="{6ADFC982-3F97-604E-B78A-EC2F7D93C284}" type="datetimeFigureOut">
               <a:rPr lang="en-US" smtClean="0"/>
-              <a:t>4/2/14</a:t>
+              <a:t>4/4/14</a:t>
             </a:fld>
             <a:endParaRPr lang="en-US"/>
           </a:p>
@@ -4009,7 +4009,7 @@
           <a:p>
             <a:fld id="{6ADFC982-3F97-604E-B78A-EC2F7D93C284}" type="datetimeFigureOut">
               <a:rPr lang="en-US" smtClean="0"/>
-              <a:t>4/2/14</a:t>
+              <a:t>4/4/14</a:t>
             </a:fld>
             <a:endParaRPr lang="en-US"/>
           </a:p>
@@ -4262,7 +4262,7 @@
           <a:p>
             <a:fld id="{6ADFC982-3F97-604E-B78A-EC2F7D93C284}" type="datetimeFigureOut">
               <a:rPr lang="en-US" smtClean="0"/>
-              <a:t>4/2/14</a:t>
+              <a:t>4/4/14</a:t>
             </a:fld>
             <a:endParaRPr lang="en-US"/>
           </a:p>
@@ -4475,7 +4475,7 @@
           <a:p>
             <a:fld id="{6ADFC982-3F97-604E-B78A-EC2F7D93C284}" type="datetimeFigureOut">
               <a:rPr lang="en-US" smtClean="0"/>
-              <a:t>4/2/14</a:t>
+              <a:t>4/4/14</a:t>
             </a:fld>
             <a:endParaRPr lang="en-US"/>
           </a:p>
@@ -4859,7 +4859,7 @@
           <p:nvPr>
             <p:extLst>
               <p:ext uri="{D42A27DB-BD31-4B8C-83A1-F6EECF244321}">
-                <p14:modId xmlns:p14="http://schemas.microsoft.com/office/powerpoint/2010/main" val="2896865931"/>
+                <p14:modId xmlns:p14="http://schemas.microsoft.com/office/powerpoint/2010/main" val="1294760175"/>
               </p:ext>
             </p:extLst>
           </p:nvPr>

--- a/figs/pointOccuranceFreq.pptx
+++ b/figs/pointOccuranceFreq.pptx
@@ -533,7 +533,7 @@
                   <c:v>6.600249066</c:v>
                 </c:pt>
                 <c:pt idx="10">
-                  <c:v>5.915317559149999</c:v>
+                  <c:v>5.915317559149997</c:v>
                 </c:pt>
                 <c:pt idx="11">
                   <c:v>5.47945205479</c:v>
@@ -542,7 +542,7 @@
                   <c:v>3.985056039849999</c:v>
                 </c:pt>
                 <c:pt idx="13">
-                  <c:v>3.051058530509999</c:v>
+                  <c:v>3.051058530509998</c:v>
                 </c:pt>
                 <c:pt idx="14">
                   <c:v>2.67745952677</c:v>
@@ -1274,13 +1274,13 @@
                   <c:v>100.0</c:v>
                 </c:pt>
                 <c:pt idx="1">
-                  <c:v>77.15517241379997</c:v>
+                  <c:v>77.15517241379993</c:v>
                 </c:pt>
                 <c:pt idx="2">
-                  <c:v>77.15517241379997</c:v>
+                  <c:v>77.15517241379993</c:v>
                 </c:pt>
                 <c:pt idx="3">
-                  <c:v>77.15517241379997</c:v>
+                  <c:v>77.15517241379993</c:v>
                 </c:pt>
                 <c:pt idx="4">
                   <c:v>25.7053291536</c:v>
@@ -1301,10 +1301,10 @@
                   <c:v>9.67868338558</c:v>
                 </c:pt>
                 <c:pt idx="10">
-                  <c:v>9.443573667709998</c:v>
+                  <c:v>9.44357366771</c:v>
                 </c:pt>
                 <c:pt idx="11">
-                  <c:v>9.443573667709998</c:v>
+                  <c:v>9.44357366771</c:v>
                 </c:pt>
                 <c:pt idx="12">
                   <c:v>5.91692789969</c:v>
@@ -1682,11 +1682,11 @@
           <c:showPercent val="0"/>
           <c:showBubbleSize val="0"/>
         </c:dLbls>
-        <c:axId val="-2103237224"/>
-        <c:axId val="-2103231432"/>
+        <c:axId val="-2077001592"/>
+        <c:axId val="-2079152696"/>
       </c:scatterChart>
       <c:valAx>
-        <c:axId val="-2103237224"/>
+        <c:axId val="-2077001592"/>
         <c:scaling>
           <c:orientation val="minMax"/>
           <c:max val="100.0"/>
@@ -1733,12 +1733,12 @@
         <c:majorTickMark val="out"/>
         <c:minorTickMark val="none"/>
         <c:tickLblPos val="nextTo"/>
-        <c:crossAx val="-2103231432"/>
+        <c:crossAx val="-2079152696"/>
         <c:crosses val="autoZero"/>
         <c:crossBetween val="midCat"/>
       </c:valAx>
       <c:valAx>
-        <c:axId val="-2103231432"/>
+        <c:axId val="-2079152696"/>
         <c:scaling>
           <c:orientation val="minMax"/>
           <c:max val="100.0"/>
@@ -1814,7 +1814,7 @@
             <a:endParaRPr lang="en-US"/>
           </a:p>
         </c:txPr>
-        <c:crossAx val="-2103237224"/>
+        <c:crossAx val="-2077001592"/>
         <c:crosses val="autoZero"/>
         <c:crossBetween val="midCat"/>
         <c:majorUnit val="20.0"/>
@@ -1838,9 +1838,9 @@
         <a:lstStyle/>
         <a:p>
           <a:pPr>
-            <a:defRPr sz="1200">
-              <a:latin typeface="Verdana"/>
-              <a:cs typeface="Verdana"/>
+            <a:defRPr sz="1200" b="0">
+              <a:latin typeface="Times New Roman"/>
+              <a:cs typeface="Times New Roman"/>
             </a:defRPr>
           </a:pPr>
           <a:endParaRPr lang="en-US"/>
@@ -4859,7 +4859,7 @@
           <p:nvPr>
             <p:extLst>
               <p:ext uri="{D42A27DB-BD31-4B8C-83A1-F6EECF244321}">
-                <p14:modId xmlns:p14="http://schemas.microsoft.com/office/powerpoint/2010/main" val="1294760175"/>
+                <p14:modId xmlns:p14="http://schemas.microsoft.com/office/powerpoint/2010/main" val="3901800518"/>
               </p:ext>
             </p:extLst>
           </p:nvPr>
